--- a/SCOMalertsFiles/SCOMAlerts_Flow.pptx
+++ b/SCOMalertsFiles/SCOMAlerts_Flow.pptx
@@ -108,6 +108,11 @@
       </a:defRPr>
     </a:lvl9pPr>
   </p:defaultTextStyle>
+  <p:extLst>
+    <p:ext uri="{EFAFB233-063F-42B5-8137-9DF3F51BA10A}">
+      <p15:sldGuideLst xmlns:p15="http://schemas.microsoft.com/office/powerpoint/2012/main"/>
+    </p:ext>
+  </p:extLst>
 </p:presentation>
 </file>
 
@@ -161,7 +166,7 @@
           <a:noFill/>
           <a:extLst>
             <a:ext uri="{909E8E84-426E-40dd-AFC4-6F175D3DCCD1}">
-              <a14:hiddenFill xmlns:a14="http://schemas.microsoft.com/office/drawing/2010/main" xmlns="">
+              <a14:hiddenFill xmlns="" xmlns:a14="http://schemas.microsoft.com/office/drawing/2010/main">
                 <a:solidFill>
                   <a:srgbClr val="FFFFFF"/>
                 </a:solidFill>
@@ -221,7 +226,7 @@
             </a:ln>
             <a:extLst>
               <a:ext uri="{91240B29-F687-4f45-9708-019B960494DF}">
-                <a14:hiddenLine xmlns:a14="http://schemas.microsoft.com/office/drawing/2010/main" xmlns="" w="9525">
+                <a14:hiddenLine xmlns="" xmlns:a14="http://schemas.microsoft.com/office/drawing/2010/main" w="9525">
                   <a:solidFill>
                     <a:srgbClr val="000000"/>
                   </a:solidFill>
@@ -311,7 +316,7 @@
             </a:ln>
             <a:extLst>
               <a:ext uri="{91240B29-F687-4f45-9708-019B960494DF}">
-                <a14:hiddenLine xmlns:a14="http://schemas.microsoft.com/office/drawing/2010/main" xmlns="" w="9525">
+                <a14:hiddenLine xmlns="" xmlns:a14="http://schemas.microsoft.com/office/drawing/2010/main" w="9525">
                   <a:solidFill>
                     <a:srgbClr val="000000"/>
                   </a:solidFill>
@@ -401,7 +406,7 @@
             </a:ln>
             <a:extLst>
               <a:ext uri="{91240B29-F687-4f45-9708-019B960494DF}">
-                <a14:hiddenLine xmlns:a14="http://schemas.microsoft.com/office/drawing/2010/main" xmlns="" w="9525">
+                <a14:hiddenLine xmlns="" xmlns:a14="http://schemas.microsoft.com/office/drawing/2010/main" w="9525">
                   <a:solidFill>
                     <a:srgbClr val="000000"/>
                   </a:solidFill>
@@ -435,7 +440,7 @@
             </a:ln>
             <a:extLst>
               <a:ext uri="{91240B29-F687-4f45-9708-019B960494DF}">
-                <a14:hiddenLine xmlns:a14="http://schemas.microsoft.com/office/drawing/2010/main" xmlns="" w="9525">
+                <a14:hiddenLine xmlns="" xmlns:a14="http://schemas.microsoft.com/office/drawing/2010/main" w="9525">
                   <a:solidFill>
                     <a:srgbClr val="000000"/>
                   </a:solidFill>
@@ -525,7 +530,7 @@
             </a:ln>
             <a:extLst>
               <a:ext uri="{91240B29-F687-4f45-9708-019B960494DF}">
-                <a14:hiddenLine xmlns:a14="http://schemas.microsoft.com/office/drawing/2010/main" xmlns="" w="9525">
+                <a14:hiddenLine xmlns="" xmlns:a14="http://schemas.microsoft.com/office/drawing/2010/main" w="9525">
                   <a:solidFill>
                     <a:srgbClr val="000000"/>
                   </a:solidFill>
@@ -587,7 +592,7 @@
             </a:ln>
             <a:extLst>
               <a:ext uri="{91240B29-F687-4f45-9708-019B960494DF}">
-                <a14:hiddenLine xmlns:a14="http://schemas.microsoft.com/office/drawing/2010/main" xmlns="" w="9525">
+                <a14:hiddenLine xmlns="" xmlns:a14="http://schemas.microsoft.com/office/drawing/2010/main" w="9525">
                   <a:solidFill>
                     <a:srgbClr val="000000"/>
                   </a:solidFill>
@@ -649,7 +654,7 @@
             </a:ln>
             <a:extLst>
               <a:ext uri="{91240B29-F687-4f45-9708-019B960494DF}">
-                <a14:hiddenLine xmlns:a14="http://schemas.microsoft.com/office/drawing/2010/main" xmlns="" w="9525">
+                <a14:hiddenLine xmlns="" xmlns:a14="http://schemas.microsoft.com/office/drawing/2010/main" w="9525">
                   <a:solidFill>
                     <a:srgbClr val="000000"/>
                   </a:solidFill>
@@ -739,7 +744,7 @@
             </a:ln>
             <a:extLst>
               <a:ext uri="{91240B29-F687-4f45-9708-019B960494DF}">
-                <a14:hiddenLine xmlns:a14="http://schemas.microsoft.com/office/drawing/2010/main" xmlns="" w="9525">
+                <a14:hiddenLine xmlns="" xmlns:a14="http://schemas.microsoft.com/office/drawing/2010/main" w="9525">
                   <a:solidFill>
                     <a:srgbClr val="000000"/>
                   </a:solidFill>
@@ -801,7 +806,7 @@
             </a:ln>
             <a:extLst>
               <a:ext uri="{91240B29-F687-4f45-9708-019B960494DF}">
-                <a14:hiddenLine xmlns:a14="http://schemas.microsoft.com/office/drawing/2010/main" xmlns="" w="9525">
+                <a14:hiddenLine xmlns="" xmlns:a14="http://schemas.microsoft.com/office/drawing/2010/main" w="9525">
                   <a:solidFill>
                     <a:srgbClr val="000000"/>
                   </a:solidFill>
@@ -863,7 +868,7 @@
             </a:ln>
             <a:extLst>
               <a:ext uri="{91240B29-F687-4f45-9708-019B960494DF}">
-                <a14:hiddenLine xmlns:a14="http://schemas.microsoft.com/office/drawing/2010/main" xmlns="" w="9525">
+                <a14:hiddenLine xmlns="" xmlns:a14="http://schemas.microsoft.com/office/drawing/2010/main" w="9525">
                   <a:solidFill>
                     <a:srgbClr val="000000"/>
                   </a:solidFill>
@@ -953,7 +958,7 @@
             </a:ln>
             <a:extLst>
               <a:ext uri="{91240B29-F687-4f45-9708-019B960494DF}">
-                <a14:hiddenLine xmlns:a14="http://schemas.microsoft.com/office/drawing/2010/main" xmlns="" w="9525">
+                <a14:hiddenLine xmlns="" xmlns:a14="http://schemas.microsoft.com/office/drawing/2010/main" w="9525">
                   <a:solidFill>
                     <a:srgbClr val="000000"/>
                   </a:solidFill>
@@ -1043,7 +1048,7 @@
             </a:ln>
             <a:extLst>
               <a:ext uri="{91240B29-F687-4f45-9708-019B960494DF}">
-                <a14:hiddenLine xmlns:a14="http://schemas.microsoft.com/office/drawing/2010/main" xmlns="" w="9525">
+                <a14:hiddenLine xmlns="" xmlns:a14="http://schemas.microsoft.com/office/drawing/2010/main" w="9525">
                   <a:solidFill>
                     <a:srgbClr val="000000"/>
                   </a:solidFill>
@@ -1105,7 +1110,7 @@
             </a:ln>
             <a:extLst>
               <a:ext uri="{91240B29-F687-4f45-9708-019B960494DF}">
-                <a14:hiddenLine xmlns:a14="http://schemas.microsoft.com/office/drawing/2010/main" xmlns="" w="9525">
+                <a14:hiddenLine xmlns="" xmlns:a14="http://schemas.microsoft.com/office/drawing/2010/main" w="9525">
                   <a:solidFill>
                     <a:srgbClr val="000000"/>
                   </a:solidFill>
@@ -1215,7 +1220,7 @@
             </a:ln>
             <a:extLst>
               <a:ext uri="{91240B29-F687-4f45-9708-019B960494DF}">
-                <a14:hiddenLine xmlns:a14="http://schemas.microsoft.com/office/drawing/2010/main" xmlns="" w="9525">
+                <a14:hiddenLine xmlns="" xmlns:a14="http://schemas.microsoft.com/office/drawing/2010/main" w="9525">
                   <a:solidFill>
                     <a:srgbClr val="000000"/>
                   </a:solidFill>
@@ -1277,7 +1282,7 @@
             </a:ln>
             <a:extLst>
               <a:ext uri="{91240B29-F687-4f45-9708-019B960494DF}">
-                <a14:hiddenLine xmlns:a14="http://schemas.microsoft.com/office/drawing/2010/main" xmlns="" w="9525">
+                <a14:hiddenLine xmlns="" xmlns:a14="http://schemas.microsoft.com/office/drawing/2010/main" w="9525">
                   <a:solidFill>
                     <a:srgbClr val="000000"/>
                   </a:solidFill>
@@ -1367,7 +1372,7 @@
             </a:ln>
             <a:extLst>
               <a:ext uri="{91240B29-F687-4f45-9708-019B960494DF}">
-                <a14:hiddenLine xmlns:a14="http://schemas.microsoft.com/office/drawing/2010/main" xmlns="" w="9525">
+                <a14:hiddenLine xmlns="" xmlns:a14="http://schemas.microsoft.com/office/drawing/2010/main" w="9525">
                   <a:solidFill>
                     <a:srgbClr val="000000"/>
                   </a:solidFill>
@@ -1457,7 +1462,7 @@
             </a:ln>
             <a:extLst>
               <a:ext uri="{91240B29-F687-4f45-9708-019B960494DF}">
-                <a14:hiddenLine xmlns:a14="http://schemas.microsoft.com/office/drawing/2010/main" xmlns="" w="9525">
+                <a14:hiddenLine xmlns="" xmlns:a14="http://schemas.microsoft.com/office/drawing/2010/main" w="9525">
                   <a:solidFill>
                     <a:srgbClr val="000000"/>
                   </a:solidFill>
@@ -1519,7 +1524,7 @@
             </a:ln>
             <a:extLst>
               <a:ext uri="{91240B29-F687-4f45-9708-019B960494DF}">
-                <a14:hiddenLine xmlns:a14="http://schemas.microsoft.com/office/drawing/2010/main" xmlns="" w="9525">
+                <a14:hiddenLine xmlns="" xmlns:a14="http://schemas.microsoft.com/office/drawing/2010/main" w="9525">
                   <a:solidFill>
                     <a:srgbClr val="000000"/>
                   </a:solidFill>
@@ -1609,7 +1614,7 @@
             </a:ln>
             <a:extLst>
               <a:ext uri="{91240B29-F687-4f45-9708-019B960494DF}">
-                <a14:hiddenLine xmlns:a14="http://schemas.microsoft.com/office/drawing/2010/main" xmlns="" w="9525">
+                <a14:hiddenLine xmlns="" xmlns:a14="http://schemas.microsoft.com/office/drawing/2010/main" w="9525">
                   <a:solidFill>
                     <a:srgbClr val="000000"/>
                   </a:solidFill>
@@ -1699,7 +1704,7 @@
             </a:ln>
             <a:extLst>
               <a:ext uri="{91240B29-F687-4f45-9708-019B960494DF}">
-                <a14:hiddenLine xmlns:a14="http://schemas.microsoft.com/office/drawing/2010/main" xmlns="" w="9525">
+                <a14:hiddenLine xmlns="" xmlns:a14="http://schemas.microsoft.com/office/drawing/2010/main" w="9525">
                   <a:solidFill>
                     <a:srgbClr val="000000"/>
                   </a:solidFill>
@@ -1755,7 +1760,7 @@
             </a:ln>
             <a:extLst>
               <a:ext uri="{91240B29-F687-4f45-9708-019B960494DF}">
-                <a14:hiddenLine xmlns:a14="http://schemas.microsoft.com/office/drawing/2010/main" xmlns="" w="9525">
+                <a14:hiddenLine xmlns="" xmlns:a14="http://schemas.microsoft.com/office/drawing/2010/main" w="9525">
                   <a:solidFill>
                     <a:srgbClr val="000000"/>
                   </a:solidFill>
@@ -1845,7 +1850,7 @@
             </a:ln>
             <a:extLst>
               <a:ext uri="{91240B29-F687-4f45-9708-019B960494DF}">
-                <a14:hiddenLine xmlns:a14="http://schemas.microsoft.com/office/drawing/2010/main" xmlns="" w="9525">
+                <a14:hiddenLine xmlns="" xmlns:a14="http://schemas.microsoft.com/office/drawing/2010/main" w="9525">
                   <a:solidFill>
                     <a:srgbClr val="000000"/>
                   </a:solidFill>
@@ -1901,7 +1906,7 @@
             </a:ln>
             <a:extLst>
               <a:ext uri="{91240B29-F687-4f45-9708-019B960494DF}">
-                <a14:hiddenLine xmlns:a14="http://schemas.microsoft.com/office/drawing/2010/main" xmlns="" w="9525">
+                <a14:hiddenLine xmlns="" xmlns:a14="http://schemas.microsoft.com/office/drawing/2010/main" w="9525">
                   <a:solidFill>
                     <a:srgbClr val="000000"/>
                   </a:solidFill>
@@ -1991,7 +1996,7 @@
             </a:ln>
             <a:extLst>
               <a:ext uri="{91240B29-F687-4f45-9708-019B960494DF}">
-                <a14:hiddenLine xmlns:a14="http://schemas.microsoft.com/office/drawing/2010/main" xmlns="" w="9525">
+                <a14:hiddenLine xmlns="" xmlns:a14="http://schemas.microsoft.com/office/drawing/2010/main" w="9525">
                   <a:solidFill>
                     <a:srgbClr val="000000"/>
                   </a:solidFill>
@@ -2059,7 +2064,7 @@
             </a:ln>
             <a:extLst>
               <a:ext uri="{91240B29-F687-4f45-9708-019B960494DF}">
-                <a14:hiddenLine xmlns:a14="http://schemas.microsoft.com/office/drawing/2010/main" xmlns="" w="9525">
+                <a14:hiddenLine xmlns="" xmlns:a14="http://schemas.microsoft.com/office/drawing/2010/main" w="9525">
                   <a:solidFill>
                     <a:srgbClr val="000000"/>
                   </a:solidFill>
@@ -2149,7 +2154,7 @@
             </a:ln>
             <a:extLst>
               <a:ext uri="{91240B29-F687-4f45-9708-019B960494DF}">
-                <a14:hiddenLine xmlns:a14="http://schemas.microsoft.com/office/drawing/2010/main" xmlns="" w="9525">
+                <a14:hiddenLine xmlns="" xmlns:a14="http://schemas.microsoft.com/office/drawing/2010/main" w="9525">
                   <a:solidFill>
                     <a:srgbClr val="000000"/>
                   </a:solidFill>
@@ -2217,7 +2222,7 @@
             </a:ln>
             <a:extLst>
               <a:ext uri="{91240B29-F687-4f45-9708-019B960494DF}">
-                <a14:hiddenLine xmlns:a14="http://schemas.microsoft.com/office/drawing/2010/main" xmlns="" w="9525">
+                <a14:hiddenLine xmlns="" xmlns:a14="http://schemas.microsoft.com/office/drawing/2010/main" w="9525">
                   <a:solidFill>
                     <a:srgbClr val="000000"/>
                   </a:solidFill>
@@ -2307,7 +2312,7 @@
             </a:ln>
             <a:extLst>
               <a:ext uri="{91240B29-F687-4f45-9708-019B960494DF}">
-                <a14:hiddenLine xmlns:a14="http://schemas.microsoft.com/office/drawing/2010/main" xmlns="" w="9525">
+                <a14:hiddenLine xmlns="" xmlns:a14="http://schemas.microsoft.com/office/drawing/2010/main" w="9525">
                   <a:solidFill>
                     <a:srgbClr val="000000"/>
                   </a:solidFill>
@@ -2341,7 +2346,7 @@
             </a:ln>
             <a:extLst>
               <a:ext uri="{91240B29-F687-4f45-9708-019B960494DF}">
-                <a14:hiddenLine xmlns:a14="http://schemas.microsoft.com/office/drawing/2010/main" xmlns="" w="9525">
+                <a14:hiddenLine xmlns="" xmlns:a14="http://schemas.microsoft.com/office/drawing/2010/main" w="9525">
                   <a:solidFill>
                     <a:srgbClr val="000000"/>
                   </a:solidFill>
@@ -2431,7 +2436,7 @@
             </a:ln>
             <a:extLst>
               <a:ext uri="{91240B29-F687-4f45-9708-019B960494DF}">
-                <a14:hiddenLine xmlns:a14="http://schemas.microsoft.com/office/drawing/2010/main" xmlns="" w="9525">
+                <a14:hiddenLine xmlns="" xmlns:a14="http://schemas.microsoft.com/office/drawing/2010/main" w="9525">
                   <a:solidFill>
                     <a:srgbClr val="000000"/>
                   </a:solidFill>
@@ -2493,7 +2498,7 @@
             </a:ln>
             <a:extLst>
               <a:ext uri="{91240B29-F687-4f45-9708-019B960494DF}">
-                <a14:hiddenLine xmlns:a14="http://schemas.microsoft.com/office/drawing/2010/main" xmlns="" w="9525">
+                <a14:hiddenLine xmlns="" xmlns:a14="http://schemas.microsoft.com/office/drawing/2010/main" w="9525">
                   <a:solidFill>
                     <a:srgbClr val="000000"/>
                   </a:solidFill>
@@ -2555,7 +2560,7 @@
             </a:ln>
             <a:extLst>
               <a:ext uri="{91240B29-F687-4f45-9708-019B960494DF}">
-                <a14:hiddenLine xmlns:a14="http://schemas.microsoft.com/office/drawing/2010/main" xmlns="" w="9525">
+                <a14:hiddenLine xmlns="" xmlns:a14="http://schemas.microsoft.com/office/drawing/2010/main" w="9525">
                   <a:solidFill>
                     <a:srgbClr val="000000"/>
                   </a:solidFill>
@@ -2645,7 +2650,7 @@
             </a:ln>
             <a:extLst>
               <a:ext uri="{91240B29-F687-4f45-9708-019B960494DF}">
-                <a14:hiddenLine xmlns:a14="http://schemas.microsoft.com/office/drawing/2010/main" xmlns="" w="9525">
+                <a14:hiddenLine xmlns="" xmlns:a14="http://schemas.microsoft.com/office/drawing/2010/main" w="9525">
                   <a:solidFill>
                     <a:srgbClr val="000000"/>
                   </a:solidFill>
@@ -2713,7 +2718,7 @@
             </a:ln>
             <a:extLst>
               <a:ext uri="{91240B29-F687-4f45-9708-019B960494DF}">
-                <a14:hiddenLine xmlns:a14="http://schemas.microsoft.com/office/drawing/2010/main" xmlns="" w="9525">
+                <a14:hiddenLine xmlns="" xmlns:a14="http://schemas.microsoft.com/office/drawing/2010/main" w="9525">
                   <a:solidFill>
                     <a:srgbClr val="000000"/>
                   </a:solidFill>
@@ -2775,7 +2780,7 @@
             </a:ln>
             <a:extLst>
               <a:ext uri="{91240B29-F687-4f45-9708-019B960494DF}">
-                <a14:hiddenLine xmlns:a14="http://schemas.microsoft.com/office/drawing/2010/main" xmlns="" w="9525">
+                <a14:hiddenLine xmlns="" xmlns:a14="http://schemas.microsoft.com/office/drawing/2010/main" w="9525">
                   <a:solidFill>
                     <a:srgbClr val="000000"/>
                   </a:solidFill>
@@ -2865,7 +2870,7 @@
             </a:ln>
             <a:extLst>
               <a:ext uri="{91240B29-F687-4f45-9708-019B960494DF}">
-                <a14:hiddenLine xmlns:a14="http://schemas.microsoft.com/office/drawing/2010/main" xmlns="" w="9525">
+                <a14:hiddenLine xmlns="" xmlns:a14="http://schemas.microsoft.com/office/drawing/2010/main" w="9525">
                   <a:solidFill>
                     <a:srgbClr val="000000"/>
                   </a:solidFill>
@@ -2927,7 +2932,7 @@
             </a:ln>
             <a:extLst>
               <a:ext uri="{91240B29-F687-4f45-9708-019B960494DF}">
-                <a14:hiddenLine xmlns:a14="http://schemas.microsoft.com/office/drawing/2010/main" xmlns="" w="9525">
+                <a14:hiddenLine xmlns="" xmlns:a14="http://schemas.microsoft.com/office/drawing/2010/main" w="9525">
                   <a:solidFill>
                     <a:srgbClr val="000000"/>
                   </a:solidFill>
@@ -3017,7 +3022,7 @@
             </a:ln>
             <a:extLst>
               <a:ext uri="{91240B29-F687-4f45-9708-019B960494DF}">
-                <a14:hiddenLine xmlns:a14="http://schemas.microsoft.com/office/drawing/2010/main" xmlns="" w="9525">
+                <a14:hiddenLine xmlns="" xmlns:a14="http://schemas.microsoft.com/office/drawing/2010/main" w="9525">
                   <a:solidFill>
                     <a:srgbClr val="000000"/>
                   </a:solidFill>
@@ -3079,7 +3084,7 @@
             </a:ln>
             <a:extLst>
               <a:ext uri="{91240B29-F687-4f45-9708-019B960494DF}">
-                <a14:hiddenLine xmlns:a14="http://schemas.microsoft.com/office/drawing/2010/main" xmlns="" w="9525">
+                <a14:hiddenLine xmlns="" xmlns:a14="http://schemas.microsoft.com/office/drawing/2010/main" w="9525">
                   <a:solidFill>
                     <a:srgbClr val="000000"/>
                   </a:solidFill>
@@ -3169,7 +3174,7 @@
             </a:ln>
             <a:extLst>
               <a:ext uri="{91240B29-F687-4f45-9708-019B960494DF}">
-                <a14:hiddenLine xmlns:a14="http://schemas.microsoft.com/office/drawing/2010/main" xmlns="" w="9525">
+                <a14:hiddenLine xmlns="" xmlns:a14="http://schemas.microsoft.com/office/drawing/2010/main" w="9525">
                   <a:solidFill>
                     <a:srgbClr val="000000"/>
                   </a:solidFill>
@@ -3203,7 +3208,7 @@
             </a:ln>
             <a:extLst>
               <a:ext uri="{91240B29-F687-4f45-9708-019B960494DF}">
-                <a14:hiddenLine xmlns:a14="http://schemas.microsoft.com/office/drawing/2010/main" xmlns="" w="9525">
+                <a14:hiddenLine xmlns="" xmlns:a14="http://schemas.microsoft.com/office/drawing/2010/main" w="9525">
                   <a:solidFill>
                     <a:srgbClr val="000000"/>
                   </a:solidFill>
@@ -3268,7 +3273,7 @@
             </a:ln>
             <a:extLst>
               <a:ext uri="{91240B29-F687-4f45-9708-019B960494DF}">
-                <a14:hiddenLine xmlns:a14="http://schemas.microsoft.com/office/drawing/2010/main" xmlns="" w="9525">
+                <a14:hiddenLine xmlns="" xmlns:a14="http://schemas.microsoft.com/office/drawing/2010/main" w="9525">
                   <a:solidFill>
                     <a:srgbClr val="000000"/>
                   </a:solidFill>
@@ -3358,7 +3363,7 @@
             </a:ln>
             <a:extLst>
               <a:ext uri="{91240B29-F687-4f45-9708-019B960494DF}">
-                <a14:hiddenLine xmlns:a14="http://schemas.microsoft.com/office/drawing/2010/main" xmlns="" w="9525">
+                <a14:hiddenLine xmlns="" xmlns:a14="http://schemas.microsoft.com/office/drawing/2010/main" w="9525">
                   <a:solidFill>
                     <a:srgbClr val="000000"/>
                   </a:solidFill>
@@ -3420,7 +3425,7 @@
             </a:ln>
             <a:extLst>
               <a:ext uri="{91240B29-F687-4f45-9708-019B960494DF}">
-                <a14:hiddenLine xmlns:a14="http://schemas.microsoft.com/office/drawing/2010/main" xmlns="" w="9525">
+                <a14:hiddenLine xmlns="" xmlns:a14="http://schemas.microsoft.com/office/drawing/2010/main" w="9525">
                   <a:solidFill>
                     <a:srgbClr val="000000"/>
                   </a:solidFill>
@@ -3510,7 +3515,7 @@
             </a:ln>
             <a:extLst>
               <a:ext uri="{91240B29-F687-4f45-9708-019B960494DF}">
-                <a14:hiddenLine xmlns:a14="http://schemas.microsoft.com/office/drawing/2010/main" xmlns="" w="9525">
+                <a14:hiddenLine xmlns="" xmlns:a14="http://schemas.microsoft.com/office/drawing/2010/main" w="9525">
                   <a:solidFill>
                     <a:srgbClr val="000000"/>
                   </a:solidFill>
@@ -3600,7 +3605,7 @@
             </a:ln>
             <a:extLst>
               <a:ext uri="{91240B29-F687-4f45-9708-019B960494DF}">
-                <a14:hiddenLine xmlns:a14="http://schemas.microsoft.com/office/drawing/2010/main" xmlns="" w="9525">
+                <a14:hiddenLine xmlns="" xmlns:a14="http://schemas.microsoft.com/office/drawing/2010/main" w="9525">
                   <a:solidFill>
                     <a:srgbClr val="000000"/>
                   </a:solidFill>
@@ -3665,7 +3670,7 @@
             </a:ln>
             <a:extLst>
               <a:ext uri="{91240B29-F687-4f45-9708-019B960494DF}">
-                <a14:hiddenLine xmlns:a14="http://schemas.microsoft.com/office/drawing/2010/main" xmlns="" w="9525">
+                <a14:hiddenLine xmlns="" xmlns:a14="http://schemas.microsoft.com/office/drawing/2010/main" w="9525">
                   <a:solidFill>
                     <a:srgbClr val="000000"/>
                   </a:solidFill>
@@ -3727,7 +3732,7 @@
             </a:ln>
             <a:extLst>
               <a:ext uri="{91240B29-F687-4f45-9708-019B960494DF}">
-                <a14:hiddenLine xmlns:a14="http://schemas.microsoft.com/office/drawing/2010/main" xmlns="" w="9525">
+                <a14:hiddenLine xmlns="" xmlns:a14="http://schemas.microsoft.com/office/drawing/2010/main" w="9525">
                   <a:solidFill>
                     <a:srgbClr val="000000"/>
                   </a:solidFill>
@@ -3817,7 +3822,7 @@
             </a:ln>
             <a:extLst>
               <a:ext uri="{91240B29-F687-4f45-9708-019B960494DF}">
-                <a14:hiddenLine xmlns:a14="http://schemas.microsoft.com/office/drawing/2010/main" xmlns="" w="9525">
+                <a14:hiddenLine xmlns="" xmlns:a14="http://schemas.microsoft.com/office/drawing/2010/main" w="9525">
                   <a:solidFill>
                     <a:srgbClr val="000000"/>
                   </a:solidFill>
@@ -3907,7 +3912,7 @@
             </a:ln>
             <a:extLst>
               <a:ext uri="{91240B29-F687-4f45-9708-019B960494DF}">
-                <a14:hiddenLine xmlns:a14="http://schemas.microsoft.com/office/drawing/2010/main" xmlns="" w="9525">
+                <a14:hiddenLine xmlns="" xmlns:a14="http://schemas.microsoft.com/office/drawing/2010/main" w="9525">
                   <a:solidFill>
                     <a:srgbClr val="000000"/>
                   </a:solidFill>
@@ -3969,7 +3974,7 @@
             </a:ln>
             <a:extLst>
               <a:ext uri="{91240B29-F687-4f45-9708-019B960494DF}">
-                <a14:hiddenLine xmlns:a14="http://schemas.microsoft.com/office/drawing/2010/main" xmlns="" w="9525">
+                <a14:hiddenLine xmlns="" xmlns:a14="http://schemas.microsoft.com/office/drawing/2010/main" w="9525">
                   <a:solidFill>
                     <a:srgbClr val="000000"/>
                   </a:solidFill>
@@ -4089,7 +4094,7 @@
             </a:ln>
             <a:extLst>
               <a:ext uri="{91240B29-F687-4f45-9708-019B960494DF}">
-                <a14:hiddenLine xmlns:a14="http://schemas.microsoft.com/office/drawing/2010/main" xmlns="" w="9525">
+                <a14:hiddenLine xmlns="" xmlns:a14="http://schemas.microsoft.com/office/drawing/2010/main" w="9525">
                   <a:solidFill>
                     <a:srgbClr val="000000"/>
                   </a:solidFill>
@@ -4157,7 +4162,7 @@
             </a:ln>
             <a:extLst>
               <a:ext uri="{91240B29-F687-4f45-9708-019B960494DF}">
-                <a14:hiddenLine xmlns:a14="http://schemas.microsoft.com/office/drawing/2010/main" xmlns="" w="9525">
+                <a14:hiddenLine xmlns="" xmlns:a14="http://schemas.microsoft.com/office/drawing/2010/main" w="9525">
                   <a:solidFill>
                     <a:srgbClr val="000000"/>
                   </a:solidFill>
@@ -4247,7 +4252,7 @@
             </a:ln>
             <a:extLst>
               <a:ext uri="{91240B29-F687-4f45-9708-019B960494DF}">
-                <a14:hiddenLine xmlns:a14="http://schemas.microsoft.com/office/drawing/2010/main" xmlns="" w="9525">
+                <a14:hiddenLine xmlns="" xmlns:a14="http://schemas.microsoft.com/office/drawing/2010/main" w="9525">
                   <a:solidFill>
                     <a:srgbClr val="000000"/>
                   </a:solidFill>
@@ -4387,7 +4392,7 @@
           <a:p>
             <a:fld id="{97140975-76DE-447F-B9E1-E6B13A758300}" type="datetimeFigureOut">
               <a:rPr lang="en-US" smtClean="0"/>
-              <a:t>7/27/2021</a:t>
+              <a:t>8/23/2021</a:t>
             </a:fld>
             <a:endParaRPr lang="en-US"/>
           </a:p>
@@ -4654,7 +4659,7 @@
           <a:p>
             <a:fld id="{97140975-76DE-447F-B9E1-E6B13A758300}" type="datetimeFigureOut">
               <a:rPr lang="en-US" smtClean="0"/>
-              <a:t>7/27/2021</a:t>
+              <a:t>8/23/2021</a:t>
             </a:fld>
             <a:endParaRPr lang="en-US"/>
           </a:p>
@@ -4850,7 +4855,7 @@
           <a:p>
             <a:fld id="{97140975-76DE-447F-B9E1-E6B13A758300}" type="datetimeFigureOut">
               <a:rPr lang="en-US" smtClean="0"/>
-              <a:t>7/27/2021</a:t>
+              <a:t>8/23/2021</a:t>
             </a:fld>
             <a:endParaRPr lang="en-US"/>
           </a:p>
@@ -5113,7 +5118,7 @@
           <a:p>
             <a:fld id="{97140975-76DE-447F-B9E1-E6B13A758300}" type="datetimeFigureOut">
               <a:rPr lang="en-US" smtClean="0"/>
-              <a:t>7/27/2021</a:t>
+              <a:t>8/23/2021</a:t>
             </a:fld>
             <a:endParaRPr lang="en-US"/>
           </a:p>
@@ -5547,7 +5552,7 @@
           <a:p>
             <a:fld id="{97140975-76DE-447F-B9E1-E6B13A758300}" type="datetimeFigureOut">
               <a:rPr lang="en-US" smtClean="0"/>
-              <a:t>7/27/2021</a:t>
+              <a:t>8/23/2021</a:t>
             </a:fld>
             <a:endParaRPr lang="en-US"/>
           </a:p>
@@ -6093,7 +6098,7 @@
           <a:p>
             <a:fld id="{97140975-76DE-447F-B9E1-E6B13A758300}" type="datetimeFigureOut">
               <a:rPr lang="en-US" smtClean="0"/>
-              <a:t>7/27/2021</a:t>
+              <a:t>8/23/2021</a:t>
             </a:fld>
             <a:endParaRPr lang="en-US"/>
           </a:p>
@@ -6813,7 +6818,7 @@
           <a:p>
             <a:fld id="{97140975-76DE-447F-B9E1-E6B13A758300}" type="datetimeFigureOut">
               <a:rPr lang="en-US" smtClean="0"/>
-              <a:t>7/27/2021</a:t>
+              <a:t>8/23/2021</a:t>
             </a:fld>
             <a:endParaRPr lang="en-US"/>
           </a:p>
@@ -6983,7 +6988,7 @@
           <a:p>
             <a:fld id="{97140975-76DE-447F-B9E1-E6B13A758300}" type="datetimeFigureOut">
               <a:rPr lang="en-US" smtClean="0"/>
-              <a:t>7/27/2021</a:t>
+              <a:t>8/23/2021</a:t>
             </a:fld>
             <a:endParaRPr lang="en-US"/>
           </a:p>
@@ -7163,7 +7168,7 @@
           <a:p>
             <a:fld id="{97140975-76DE-447F-B9E1-E6B13A758300}" type="datetimeFigureOut">
               <a:rPr lang="en-US" smtClean="0"/>
-              <a:t>7/27/2021</a:t>
+              <a:t>8/23/2021</a:t>
             </a:fld>
             <a:endParaRPr lang="en-US"/>
           </a:p>
@@ -7333,7 +7338,7 @@
           <a:p>
             <a:fld id="{97140975-76DE-447F-B9E1-E6B13A758300}" type="datetimeFigureOut">
               <a:rPr lang="en-US" smtClean="0"/>
-              <a:t>7/27/2021</a:t>
+              <a:t>8/23/2021</a:t>
             </a:fld>
             <a:endParaRPr lang="en-US"/>
           </a:p>
@@ -7583,7 +7588,7 @@
           <a:p>
             <a:fld id="{97140975-76DE-447F-B9E1-E6B13A758300}" type="datetimeFigureOut">
               <a:rPr lang="en-US" smtClean="0"/>
-              <a:t>7/27/2021</a:t>
+              <a:t>8/23/2021</a:t>
             </a:fld>
             <a:endParaRPr lang="en-US"/>
           </a:p>
@@ -7815,7 +7820,7 @@
           <a:p>
             <a:fld id="{97140975-76DE-447F-B9E1-E6B13A758300}" type="datetimeFigureOut">
               <a:rPr lang="en-US" smtClean="0"/>
-              <a:t>7/27/2021</a:t>
+              <a:t>8/23/2021</a:t>
             </a:fld>
             <a:endParaRPr lang="en-US"/>
           </a:p>
@@ -8196,7 +8201,7 @@
           <a:p>
             <a:fld id="{97140975-76DE-447F-B9E1-E6B13A758300}" type="datetimeFigureOut">
               <a:rPr lang="en-US" smtClean="0"/>
-              <a:t>7/27/2021</a:t>
+              <a:t>8/23/2021</a:t>
             </a:fld>
             <a:endParaRPr lang="en-US"/>
           </a:p>
@@ -8314,7 +8319,7 @@
           <a:p>
             <a:fld id="{97140975-76DE-447F-B9E1-E6B13A758300}" type="datetimeFigureOut">
               <a:rPr lang="en-US" smtClean="0"/>
-              <a:t>7/27/2021</a:t>
+              <a:t>8/23/2021</a:t>
             </a:fld>
             <a:endParaRPr lang="en-US"/>
           </a:p>
@@ -8409,7 +8414,7 @@
           <a:p>
             <a:fld id="{97140975-76DE-447F-B9E1-E6B13A758300}" type="datetimeFigureOut">
               <a:rPr lang="en-US" smtClean="0"/>
-              <a:t>7/27/2021</a:t>
+              <a:t>8/23/2021</a:t>
             </a:fld>
             <a:endParaRPr lang="en-US"/>
           </a:p>
@@ -8658,7 +8663,7 @@
           <a:p>
             <a:fld id="{97140975-76DE-447F-B9E1-E6B13A758300}" type="datetimeFigureOut">
               <a:rPr lang="en-US" smtClean="0"/>
-              <a:t>7/27/2021</a:t>
+              <a:t>8/23/2021</a:t>
             </a:fld>
             <a:endParaRPr lang="en-US"/>
           </a:p>
@@ -8938,7 +8943,7 @@
           <a:p>
             <a:fld id="{97140975-76DE-447F-B9E1-E6B13A758300}" type="datetimeFigureOut">
               <a:rPr lang="en-US" smtClean="0"/>
-              <a:t>7/27/2021</a:t>
+              <a:t>8/23/2021</a:t>
             </a:fld>
             <a:endParaRPr lang="en-US"/>
           </a:p>
@@ -9054,7 +9059,7 @@
           <a:noFill/>
           <a:extLst>
             <a:ext uri="{909E8E84-426E-40dd-AFC4-6F175D3DCCD1}">
-              <a14:hiddenFill xmlns:a14="http://schemas.microsoft.com/office/drawing/2010/main" xmlns="">
+              <a14:hiddenFill xmlns="" xmlns:a14="http://schemas.microsoft.com/office/drawing/2010/main">
                 <a:solidFill>
                   <a:srgbClr val="FFFFFF"/>
                 </a:solidFill>
@@ -9128,7 +9133,7 @@
               </a:ln>
               <a:extLst>
                 <a:ext uri="{91240B29-F687-4f45-9708-019B960494DF}">
-                  <a14:hiddenLine xmlns:a14="http://schemas.microsoft.com/office/drawing/2010/main" xmlns="" w="9525">
+                  <a14:hiddenLine xmlns="" xmlns:a14="http://schemas.microsoft.com/office/drawing/2010/main" w="9525">
                     <a:solidFill>
                       <a:srgbClr val="000000"/>
                     </a:solidFill>
@@ -9218,7 +9223,7 @@
               </a:ln>
               <a:extLst>
                 <a:ext uri="{91240B29-F687-4f45-9708-019B960494DF}">
-                  <a14:hiddenLine xmlns:a14="http://schemas.microsoft.com/office/drawing/2010/main" xmlns="" w="9525">
+                  <a14:hiddenLine xmlns="" xmlns:a14="http://schemas.microsoft.com/office/drawing/2010/main" w="9525">
                     <a:solidFill>
                       <a:srgbClr val="000000"/>
                     </a:solidFill>
@@ -9308,7 +9313,7 @@
               </a:ln>
               <a:extLst>
                 <a:ext uri="{91240B29-F687-4f45-9708-019B960494DF}">
-                  <a14:hiddenLine xmlns:a14="http://schemas.microsoft.com/office/drawing/2010/main" xmlns="" w="9525">
+                  <a14:hiddenLine xmlns="" xmlns:a14="http://schemas.microsoft.com/office/drawing/2010/main" w="9525">
                     <a:solidFill>
                       <a:srgbClr val="000000"/>
                     </a:solidFill>
@@ -9370,7 +9375,7 @@
               </a:ln>
               <a:extLst>
                 <a:ext uri="{91240B29-F687-4f45-9708-019B960494DF}">
-                  <a14:hiddenLine xmlns:a14="http://schemas.microsoft.com/office/drawing/2010/main" xmlns="" w="9525">
+                  <a14:hiddenLine xmlns="" xmlns:a14="http://schemas.microsoft.com/office/drawing/2010/main" w="9525">
                     <a:solidFill>
                       <a:srgbClr val="000000"/>
                     </a:solidFill>
@@ -9460,7 +9465,7 @@
               </a:ln>
               <a:extLst>
                 <a:ext uri="{91240B29-F687-4f45-9708-019B960494DF}">
-                  <a14:hiddenLine xmlns:a14="http://schemas.microsoft.com/office/drawing/2010/main" xmlns="" w="9525">
+                  <a14:hiddenLine xmlns="" xmlns:a14="http://schemas.microsoft.com/office/drawing/2010/main" w="9525">
                     <a:solidFill>
                       <a:srgbClr val="000000"/>
                     </a:solidFill>
@@ -9522,7 +9527,7 @@
               </a:ln>
               <a:extLst>
                 <a:ext uri="{91240B29-F687-4f45-9708-019B960494DF}">
-                  <a14:hiddenLine xmlns:a14="http://schemas.microsoft.com/office/drawing/2010/main" xmlns="" w="9525">
+                  <a14:hiddenLine xmlns="" xmlns:a14="http://schemas.microsoft.com/office/drawing/2010/main" w="9525">
                     <a:solidFill>
                       <a:srgbClr val="000000"/>
                     </a:solidFill>
@@ -9584,7 +9589,7 @@
               </a:ln>
               <a:extLst>
                 <a:ext uri="{91240B29-F687-4f45-9708-019B960494DF}">
-                  <a14:hiddenLine xmlns:a14="http://schemas.microsoft.com/office/drawing/2010/main" xmlns="" w="9525">
+                  <a14:hiddenLine xmlns="" xmlns:a14="http://schemas.microsoft.com/office/drawing/2010/main" w="9525">
                     <a:solidFill>
                       <a:srgbClr val="000000"/>
                     </a:solidFill>
@@ -9674,7 +9679,7 @@
               </a:ln>
               <a:extLst>
                 <a:ext uri="{91240B29-F687-4f45-9708-019B960494DF}">
-                  <a14:hiddenLine xmlns:a14="http://schemas.microsoft.com/office/drawing/2010/main" xmlns="" w="9525">
+                  <a14:hiddenLine xmlns="" xmlns:a14="http://schemas.microsoft.com/office/drawing/2010/main" w="9525">
                     <a:solidFill>
                       <a:srgbClr val="000000"/>
                     </a:solidFill>
@@ -9764,7 +9769,7 @@
               </a:ln>
               <a:extLst>
                 <a:ext uri="{91240B29-F687-4f45-9708-019B960494DF}">
-                  <a14:hiddenLine xmlns:a14="http://schemas.microsoft.com/office/drawing/2010/main" xmlns="" w="9525">
+                  <a14:hiddenLine xmlns="" xmlns:a14="http://schemas.microsoft.com/office/drawing/2010/main" w="9525">
                     <a:solidFill>
                       <a:srgbClr val="000000"/>
                     </a:solidFill>
@@ -9826,7 +9831,7 @@
               </a:ln>
               <a:extLst>
                 <a:ext uri="{91240B29-F687-4f45-9708-019B960494DF}">
-                  <a14:hiddenLine xmlns:a14="http://schemas.microsoft.com/office/drawing/2010/main" xmlns="" w="9525">
+                  <a14:hiddenLine xmlns="" xmlns:a14="http://schemas.microsoft.com/office/drawing/2010/main" w="9525">
                     <a:solidFill>
                       <a:srgbClr val="000000"/>
                     </a:solidFill>
@@ -9936,7 +9941,7 @@
               </a:ln>
               <a:extLst>
                 <a:ext uri="{91240B29-F687-4f45-9708-019B960494DF}">
-                  <a14:hiddenLine xmlns:a14="http://schemas.microsoft.com/office/drawing/2010/main" xmlns="" w="9525">
+                  <a14:hiddenLine xmlns="" xmlns:a14="http://schemas.microsoft.com/office/drawing/2010/main" w="9525">
                     <a:solidFill>
                       <a:srgbClr val="000000"/>
                     </a:solidFill>
@@ -10020,7 +10025,7 @@
               </a:ln>
               <a:extLst>
                 <a:ext uri="{91240B29-F687-4f45-9708-019B960494DF}">
-                  <a14:hiddenLine xmlns:a14="http://schemas.microsoft.com/office/drawing/2010/main" xmlns="" w="9525">
+                  <a14:hiddenLine xmlns="" xmlns:a14="http://schemas.microsoft.com/office/drawing/2010/main" w="9525">
                     <a:solidFill>
                       <a:srgbClr val="000000"/>
                     </a:solidFill>
@@ -10082,7 +10087,7 @@
               </a:ln>
               <a:extLst>
                 <a:ext uri="{91240B29-F687-4f45-9708-019B960494DF}">
-                  <a14:hiddenLine xmlns:a14="http://schemas.microsoft.com/office/drawing/2010/main" xmlns="" w="9525">
+                  <a14:hiddenLine xmlns="" xmlns:a14="http://schemas.microsoft.com/office/drawing/2010/main" w="9525">
                     <a:solidFill>
                       <a:srgbClr val="000000"/>
                     </a:solidFill>
@@ -10144,7 +10149,7 @@
               </a:ln>
               <a:extLst>
                 <a:ext uri="{91240B29-F687-4f45-9708-019B960494DF}">
-                  <a14:hiddenLine xmlns:a14="http://schemas.microsoft.com/office/drawing/2010/main" xmlns="" w="9525">
+                  <a14:hiddenLine xmlns="" xmlns:a14="http://schemas.microsoft.com/office/drawing/2010/main" w="9525">
                     <a:solidFill>
                       <a:srgbClr val="000000"/>
                     </a:solidFill>
@@ -10234,7 +10239,7 @@
               </a:ln>
               <a:extLst>
                 <a:ext uri="{91240B29-F687-4f45-9708-019B960494DF}">
-                  <a14:hiddenLine xmlns:a14="http://schemas.microsoft.com/office/drawing/2010/main" xmlns="" w="9525">
+                  <a14:hiddenLine xmlns="" xmlns:a14="http://schemas.microsoft.com/office/drawing/2010/main" w="9525">
                     <a:solidFill>
                       <a:srgbClr val="000000"/>
                     </a:solidFill>
@@ -10268,7 +10273,7 @@
               </a:ln>
               <a:extLst>
                 <a:ext uri="{91240B29-F687-4f45-9708-019B960494DF}">
-                  <a14:hiddenLine xmlns:a14="http://schemas.microsoft.com/office/drawing/2010/main" xmlns="" w="9525">
+                  <a14:hiddenLine xmlns="" xmlns:a14="http://schemas.microsoft.com/office/drawing/2010/main" w="9525">
                     <a:solidFill>
                       <a:srgbClr val="000000"/>
                     </a:solidFill>
@@ -10333,7 +10338,7 @@
               </a:ln>
               <a:extLst>
                 <a:ext uri="{91240B29-F687-4f45-9708-019B960494DF}">
-                  <a14:hiddenLine xmlns:a14="http://schemas.microsoft.com/office/drawing/2010/main" xmlns="" w="9525">
+                  <a14:hiddenLine xmlns="" xmlns:a14="http://schemas.microsoft.com/office/drawing/2010/main" w="9525">
                     <a:solidFill>
                       <a:srgbClr val="000000"/>
                     </a:solidFill>
@@ -10423,7 +10428,7 @@
               </a:ln>
               <a:extLst>
                 <a:ext uri="{91240B29-F687-4f45-9708-019B960494DF}">
-                  <a14:hiddenLine xmlns:a14="http://schemas.microsoft.com/office/drawing/2010/main" xmlns="" w="9525">
+                  <a14:hiddenLine xmlns="" xmlns:a14="http://schemas.microsoft.com/office/drawing/2010/main" w="9525">
                     <a:solidFill>
                       <a:srgbClr val="000000"/>
                     </a:solidFill>
@@ -10485,7 +10490,7 @@
               </a:ln>
               <a:extLst>
                 <a:ext uri="{91240B29-F687-4f45-9708-019B960494DF}">
-                  <a14:hiddenLine xmlns:a14="http://schemas.microsoft.com/office/drawing/2010/main" xmlns="" w="9525">
+                  <a14:hiddenLine xmlns="" xmlns:a14="http://schemas.microsoft.com/office/drawing/2010/main" w="9525">
                     <a:solidFill>
                       <a:srgbClr val="000000"/>
                     </a:solidFill>
@@ -10575,7 +10580,7 @@
               </a:ln>
               <a:extLst>
                 <a:ext uri="{91240B29-F687-4f45-9708-019B960494DF}">
-                  <a14:hiddenLine xmlns:a14="http://schemas.microsoft.com/office/drawing/2010/main" xmlns="" w="9525">
+                  <a14:hiddenLine xmlns="" xmlns:a14="http://schemas.microsoft.com/office/drawing/2010/main" w="9525">
                     <a:solidFill>
                       <a:srgbClr val="000000"/>
                     </a:solidFill>
@@ -10640,7 +10645,7 @@
               </a:ln>
               <a:extLst>
                 <a:ext uri="{91240B29-F687-4f45-9708-019B960494DF}">
-                  <a14:hiddenLine xmlns:a14="http://schemas.microsoft.com/office/drawing/2010/main" xmlns="" w="9525">
+                  <a14:hiddenLine xmlns="" xmlns:a14="http://schemas.microsoft.com/office/drawing/2010/main" w="9525">
                     <a:solidFill>
                       <a:srgbClr val="000000"/>
                     </a:solidFill>
@@ -10702,7 +10707,7 @@
               </a:ln>
               <a:extLst>
                 <a:ext uri="{91240B29-F687-4f45-9708-019B960494DF}">
-                  <a14:hiddenLine xmlns:a14="http://schemas.microsoft.com/office/drawing/2010/main" xmlns="" w="9525">
+                  <a14:hiddenLine xmlns="" xmlns:a14="http://schemas.microsoft.com/office/drawing/2010/main" w="9525">
                     <a:solidFill>
                       <a:srgbClr val="000000"/>
                     </a:solidFill>
@@ -10792,7 +10797,7 @@
               </a:ln>
               <a:extLst>
                 <a:ext uri="{91240B29-F687-4f45-9708-019B960494DF}">
-                  <a14:hiddenLine xmlns:a14="http://schemas.microsoft.com/office/drawing/2010/main" xmlns="" w="9525">
+                  <a14:hiddenLine xmlns="" xmlns:a14="http://schemas.microsoft.com/office/drawing/2010/main" w="9525">
                     <a:solidFill>
                       <a:srgbClr val="000000"/>
                     </a:solidFill>
@@ -10882,7 +10887,7 @@
               </a:ln>
               <a:extLst>
                 <a:ext uri="{91240B29-F687-4f45-9708-019B960494DF}">
-                  <a14:hiddenLine xmlns:a14="http://schemas.microsoft.com/office/drawing/2010/main" xmlns="" w="9525">
+                  <a14:hiddenLine xmlns="" xmlns:a14="http://schemas.microsoft.com/office/drawing/2010/main" w="9525">
                     <a:solidFill>
                       <a:srgbClr val="000000"/>
                     </a:solidFill>
@@ -10947,7 +10952,7 @@
               </a:ln>
               <a:extLst>
                 <a:ext uri="{91240B29-F687-4f45-9708-019B960494DF}">
-                  <a14:hiddenLine xmlns:a14="http://schemas.microsoft.com/office/drawing/2010/main" xmlns="" w="9525">
+                  <a14:hiddenLine xmlns="" xmlns:a14="http://schemas.microsoft.com/office/drawing/2010/main" w="9525">
                     <a:solidFill>
                       <a:srgbClr val="000000"/>
                     </a:solidFill>
@@ -11067,7 +11072,7 @@
               </a:ln>
               <a:extLst>
                 <a:ext uri="{91240B29-F687-4f45-9708-019B960494DF}">
-                  <a14:hiddenLine xmlns:a14="http://schemas.microsoft.com/office/drawing/2010/main" xmlns="" w="9525">
+                  <a14:hiddenLine xmlns="" xmlns:a14="http://schemas.microsoft.com/office/drawing/2010/main" w="9525">
                     <a:solidFill>
                       <a:srgbClr val="000000"/>
                     </a:solidFill>
@@ -11165,7 +11170,7 @@
               </a:ln>
               <a:extLst>
                 <a:ext uri="{91240B29-F687-4f45-9708-019B960494DF}">
-                  <a14:hiddenLine xmlns:a14="http://schemas.microsoft.com/office/drawing/2010/main" xmlns="" w="9525">
+                  <a14:hiddenLine xmlns="" xmlns:a14="http://schemas.microsoft.com/office/drawing/2010/main" w="9525">
                     <a:solidFill>
                       <a:srgbClr val="000000"/>
                     </a:solidFill>
@@ -11280,7 +11285,7 @@
               </a:ln>
               <a:extLst>
                 <a:ext uri="{91240B29-F687-4f45-9708-019B960494DF}">
-                  <a14:hiddenLine xmlns:a14="http://schemas.microsoft.com/office/drawing/2010/main" xmlns="" w="9525">
+                  <a14:hiddenLine xmlns="" xmlns:a14="http://schemas.microsoft.com/office/drawing/2010/main" w="9525">
                     <a:solidFill>
                       <a:srgbClr val="000000"/>
                     </a:solidFill>
@@ -11370,7 +11375,7 @@
               </a:ln>
               <a:extLst>
                 <a:ext uri="{91240B29-F687-4f45-9708-019B960494DF}">
-                  <a14:hiddenLine xmlns:a14="http://schemas.microsoft.com/office/drawing/2010/main" xmlns="" w="9525">
+                  <a14:hiddenLine xmlns="" xmlns:a14="http://schemas.microsoft.com/office/drawing/2010/main" w="9525">
                     <a:solidFill>
                       <a:srgbClr val="000000"/>
                     </a:solidFill>
@@ -11435,7 +11440,7 @@
               </a:ln>
               <a:extLst>
                 <a:ext uri="{91240B29-F687-4f45-9708-019B960494DF}">
-                  <a14:hiddenLine xmlns:a14="http://schemas.microsoft.com/office/drawing/2010/main" xmlns="" w="9525">
+                  <a14:hiddenLine xmlns="" xmlns:a14="http://schemas.microsoft.com/office/drawing/2010/main" w="9525">
                     <a:solidFill>
                       <a:srgbClr val="000000"/>
                     </a:solidFill>
@@ -11525,7 +11530,7 @@
               </a:ln>
               <a:extLst>
                 <a:ext uri="{91240B29-F687-4f45-9708-019B960494DF}">
-                  <a14:hiddenLine xmlns:a14="http://schemas.microsoft.com/office/drawing/2010/main" xmlns="" w="9525">
+                  <a14:hiddenLine xmlns="" xmlns:a14="http://schemas.microsoft.com/office/drawing/2010/main" w="9525">
                     <a:solidFill>
                       <a:srgbClr val="000000"/>
                     </a:solidFill>
@@ -11593,7 +11598,7 @@
               </a:ln>
               <a:extLst>
                 <a:ext uri="{91240B29-F687-4f45-9708-019B960494DF}">
-                  <a14:hiddenLine xmlns:a14="http://schemas.microsoft.com/office/drawing/2010/main" xmlns="" w="9525">
+                  <a14:hiddenLine xmlns="" xmlns:a14="http://schemas.microsoft.com/office/drawing/2010/main" w="9525">
                     <a:solidFill>
                       <a:srgbClr val="000000"/>
                     </a:solidFill>
@@ -11683,7 +11688,7 @@
               </a:ln>
               <a:extLst>
                 <a:ext uri="{91240B29-F687-4f45-9708-019B960494DF}">
-                  <a14:hiddenLine xmlns:a14="http://schemas.microsoft.com/office/drawing/2010/main" xmlns="" w="9525">
+                  <a14:hiddenLine xmlns="" xmlns:a14="http://schemas.microsoft.com/office/drawing/2010/main" w="9525">
                     <a:solidFill>
                       <a:srgbClr val="000000"/>
                     </a:solidFill>
@@ -11751,7 +11756,7 @@
               </a:ln>
               <a:extLst>
                 <a:ext uri="{91240B29-F687-4f45-9708-019B960494DF}">
-                  <a14:hiddenLine xmlns:a14="http://schemas.microsoft.com/office/drawing/2010/main" xmlns="" w="9525">
+                  <a14:hiddenLine xmlns="" xmlns:a14="http://schemas.microsoft.com/office/drawing/2010/main" w="9525">
                     <a:solidFill>
                       <a:srgbClr val="000000"/>
                     </a:solidFill>
@@ -11841,7 +11846,7 @@
               </a:ln>
               <a:extLst>
                 <a:ext uri="{91240B29-F687-4f45-9708-019B960494DF}">
-                  <a14:hiddenLine xmlns:a14="http://schemas.microsoft.com/office/drawing/2010/main" xmlns="" w="9525">
+                  <a14:hiddenLine xmlns="" xmlns:a14="http://schemas.microsoft.com/office/drawing/2010/main" w="9525">
                     <a:solidFill>
                       <a:srgbClr val="000000"/>
                     </a:solidFill>
@@ -11875,7 +11880,7 @@
               </a:ln>
               <a:extLst>
                 <a:ext uri="{91240B29-F687-4f45-9708-019B960494DF}">
-                  <a14:hiddenLine xmlns:a14="http://schemas.microsoft.com/office/drawing/2010/main" xmlns="" w="9525">
+                  <a14:hiddenLine xmlns="" xmlns:a14="http://schemas.microsoft.com/office/drawing/2010/main" w="9525">
                     <a:solidFill>
                       <a:srgbClr val="000000"/>
                     </a:solidFill>
@@ -12015,7 +12020,7 @@
           <a:p>
             <a:fld id="{97140975-76DE-447F-B9E1-E6B13A758300}" type="datetimeFigureOut">
               <a:rPr lang="en-US" smtClean="0"/>
-              <a:t>7/27/2021</a:t>
+              <a:t>8/23/2021</a:t>
             </a:fld>
             <a:endParaRPr lang="en-US"/>
           </a:p>
@@ -12801,7 +12806,7 @@
             <a:pPr algn="ctr"/>
             <a:r>
               <a:rPr lang="en-US" dirty="0"/>
-              <a:t>Agents</a:t>
+              <a:t>Objects</a:t>
             </a:r>
           </a:p>
         </p:txBody>
@@ -15162,7 +15167,7 @@
                   <a:srgbClr val="C00000"/>
                 </a:solidFill>
               </a:rPr>
-              <a:t>scomaUser</a:t>
+              <a:t>scomUser</a:t>
             </a:r>
             <a:r>
               <a:rPr lang="en-US" dirty="0"/>
@@ -15220,7 +15225,7 @@
                   <a:srgbClr val="C00000"/>
                 </a:solidFill>
               </a:rPr>
-              <a:t>SCOM_ManagementServer@domain.com</a:t>
+              <a:t>SCOM_ManagementServer.domain.com</a:t>
             </a:r>
             <a:r>
               <a:rPr lang="en-US" dirty="0"/>
